--- a/BD/relacion base de datos.pptx
+++ b/BD/relacion base de datos.pptx
@@ -104,6 +104,11 @@
       </a:defRPr>
     </a:lvl9pPr>
   </p:defaultTextStyle>
+  <p:extLst>
+    <p:ext uri="{EFAFB233-063F-42B5-8137-9DF3F51BA10A}">
+      <p15:sldGuideLst xmlns:p15="http://schemas.microsoft.com/office/powerpoint/2012/main"/>
+    </p:ext>
+  </p:extLst>
 </p:presentation>
 </file>
 
@@ -4054,45 +4059,6 @@
       </p:cxnSp>
       <p:cxnSp>
         <p:nvCxnSpPr>
-          <p:cNvPr id="31" name="Conector recto de flecha 30">
-            <a:extLst>
-              <a:ext uri="{FF2B5EF4-FFF2-40B4-BE49-F238E27FC236}">
-                <a16:creationId xmlns:a16="http://schemas.microsoft.com/office/drawing/2014/main" id="{9C5D8D12-F32E-5501-CEA6-680C6FE58DF2}"/>
-              </a:ext>
-            </a:extLst>
-          </p:cNvPr>
-          <p:cNvCxnSpPr/>
-          <p:nvPr/>
-        </p:nvCxnSpPr>
-        <p:spPr>
-          <a:xfrm flipH="1" flipV="1">
-            <a:off x="7781544" y="1517904"/>
-            <a:ext cx="1920240" cy="1078992"/>
-          </a:xfrm>
-          <a:prstGeom prst="straightConnector1">
-            <a:avLst/>
-          </a:prstGeom>
-          <a:ln>
-            <a:tailEnd type="triangle"/>
-          </a:ln>
-        </p:spPr>
-        <p:style>
-          <a:lnRef idx="1">
-            <a:schemeClr val="accent1"/>
-          </a:lnRef>
-          <a:fillRef idx="0">
-            <a:schemeClr val="accent1"/>
-          </a:fillRef>
-          <a:effectRef idx="0">
-            <a:schemeClr val="accent1"/>
-          </a:effectRef>
-          <a:fontRef idx="minor">
-            <a:schemeClr val="tx1"/>
-          </a:fontRef>
-        </p:style>
-      </p:cxnSp>
-      <p:cxnSp>
-        <p:nvCxnSpPr>
           <p:cNvPr id="33" name="Conector recto de flecha 32">
             <a:extLst>
               <a:ext uri="{FF2B5EF4-FFF2-40B4-BE49-F238E27FC236}">
@@ -4171,26 +4137,68 @@
       </p:cxnSp>
       <p:cxnSp>
         <p:nvCxnSpPr>
-          <p:cNvPr id="37" name="Conector recto de flecha 36">
-            <a:extLst>
-              <a:ext uri="{FF2B5EF4-FFF2-40B4-BE49-F238E27FC236}">
-                <a16:creationId xmlns:a16="http://schemas.microsoft.com/office/drawing/2014/main" id="{1FCA81AD-4FEA-EBAA-7FED-957D780AAC05}"/>
-              </a:ext>
-            </a:extLst>
-          </p:cNvPr>
-          <p:cNvCxnSpPr/>
+          <p:cNvPr id="2" name="Conector recto de flecha 1">
+            <a:extLst>
+              <a:ext uri="{FF2B5EF4-FFF2-40B4-BE49-F238E27FC236}">
+                <a16:creationId xmlns:a16="http://schemas.microsoft.com/office/drawing/2014/main" id="{56F55C03-1D1E-056B-5E0A-7DA5B3D53454}"/>
+              </a:ext>
+            </a:extLst>
+          </p:cNvPr>
+          <p:cNvCxnSpPr>
+            <a:cxnSpLocks/>
+          </p:cNvCxnSpPr>
           <p:nvPr/>
         </p:nvCxnSpPr>
         <p:spPr>
-          <a:xfrm flipH="1" flipV="1">
-            <a:off x="7239000" y="2999232"/>
-            <a:ext cx="2179320" cy="292608"/>
+          <a:xfrm>
+            <a:off x="7223760" y="2905505"/>
+            <a:ext cx="2350008" cy="445771"/>
           </a:xfrm>
           <a:prstGeom prst="straightConnector1">
             <a:avLst/>
           </a:prstGeom>
           <a:ln>
-            <a:headEnd type="triangle"/>
+            <a:tailEnd type="triangle"/>
+          </a:ln>
+        </p:spPr>
+        <p:style>
+          <a:lnRef idx="1">
+            <a:schemeClr val="accent1"/>
+          </a:lnRef>
+          <a:fillRef idx="0">
+            <a:schemeClr val="accent1"/>
+          </a:fillRef>
+          <a:effectRef idx="0">
+            <a:schemeClr val="accent1"/>
+          </a:effectRef>
+          <a:fontRef idx="minor">
+            <a:schemeClr val="tx1"/>
+          </a:fontRef>
+        </p:style>
+      </p:cxnSp>
+      <p:cxnSp>
+        <p:nvCxnSpPr>
+          <p:cNvPr id="6" name="Conector recto de flecha 5">
+            <a:extLst>
+              <a:ext uri="{FF2B5EF4-FFF2-40B4-BE49-F238E27FC236}">
+                <a16:creationId xmlns:a16="http://schemas.microsoft.com/office/drawing/2014/main" id="{737F2448-19B5-6EE2-6890-F34C82B51710}"/>
+              </a:ext>
+            </a:extLst>
+          </p:cNvPr>
+          <p:cNvCxnSpPr>
+            <a:cxnSpLocks/>
+          </p:cNvCxnSpPr>
+          <p:nvPr/>
+        </p:nvCxnSpPr>
+        <p:spPr>
+          <a:xfrm>
+            <a:off x="6656832" y="2025396"/>
+            <a:ext cx="0" cy="226314"/>
+          </a:xfrm>
+          <a:prstGeom prst="straightConnector1">
+            <a:avLst/>
+          </a:prstGeom>
+          <a:ln>
             <a:tailEnd type="triangle"/>
           </a:ln>
         </p:spPr>
